--- a/diagrams/requirements/useCases/identification/ticketMachine.pptx
+++ b/diagrams/requirements/useCases/identification/ticketMachine.pptx
@@ -1,12 +1,9 @@
 
 <file path=ppt/presentation.xml><?xml version="1.0" encoding="utf-8"?>
-<p:presentation xmlns:a="http://schemas.openxmlformats.org/drawingml/2006/main" xmlns:r="http://schemas.openxmlformats.org/officeDocument/2006/relationships" xmlns:p="http://schemas.openxmlformats.org/presentationml/2006/main" serverZoom="49896" saveSubsetFonts="1">
+<p:presentation xmlns:a="http://schemas.openxmlformats.org/drawingml/2006/main" xmlns:r="http://schemas.openxmlformats.org/officeDocument/2006/relationships" xmlns:p="http://schemas.openxmlformats.org/presentationml/2006/main" saveSubsetFonts="1">
   <p:sldMasterIdLst>
     <p:sldMasterId id="2147483648" r:id="rId1"/>
   </p:sldMasterIdLst>
-  <p:notesMasterIdLst>
-    <p:notesMasterId r:id="rId3"/>
-  </p:notesMasterIdLst>
   <p:sldIdLst>
     <p:sldId id="256" r:id="rId2"/>
   </p:sldIdLst>
@@ -110,442 +107,6 @@
 </p:presentation>
 </file>
 
-<file path=ppt/notesMasters/notesMaster1.xml><?xml version="1.0" encoding="utf-8"?>
-<p:notesMaster xmlns:a="http://schemas.openxmlformats.org/drawingml/2006/main" xmlns:r="http://schemas.openxmlformats.org/officeDocument/2006/relationships" xmlns:p="http://schemas.openxmlformats.org/presentationml/2006/main">
-  <p:cSld>
-    <p:bg>
-      <p:bgRef idx="1001">
-        <a:schemeClr val="bg1"/>
-      </p:bgRef>
-    </p:bg>
-    <p:spTree>
-      <p:nvGrpSpPr>
-        <p:cNvPr id="1" name=""/>
-        <p:cNvGrpSpPr/>
-        <p:nvPr/>
-      </p:nvGrpSpPr>
-      <p:grpSpPr>
-        <a:xfrm>
-          <a:off x="0" y="0"/>
-          <a:ext cx="0" cy="0"/>
-          <a:chOff x="0" y="0"/>
-          <a:chExt cx="0" cy="0"/>
-        </a:xfrm>
-      </p:grpSpPr>
-      <p:sp>
-        <p:nvSpPr>
-          <p:cNvPr id="2" name="Header Placeholder 1"/>
-          <p:cNvSpPr>
-            <a:spLocks noGrp="1"/>
-          </p:cNvSpPr>
-          <p:nvPr>
-            <p:ph type="hdr" sz="quarter"/>
-          </p:nvPr>
-        </p:nvSpPr>
-        <p:spPr>
-          <a:xfrm>
-            <a:off x="0" y="0"/>
-            <a:ext cx="2971800" cy="457200"/>
-          </a:xfrm>
-          <a:prstGeom prst="rect">
-            <a:avLst/>
-          </a:prstGeom>
-        </p:spPr>
-        <p:txBody>
-          <a:bodyPr vert="horz" lIns="91440" tIns="45720" rIns="91440" bIns="45720" rtlCol="0"/>
-          <a:lstStyle>
-            <a:lvl1pPr algn="l">
-              <a:defRPr sz="1200"/>
-            </a:lvl1pPr>
-          </a:lstStyle>
-          <a:p>
-            <a:endParaRPr lang="en-US"/>
-          </a:p>
-        </p:txBody>
-      </p:sp>
-      <p:sp>
-        <p:nvSpPr>
-          <p:cNvPr id="3" name="Date Placeholder 2"/>
-          <p:cNvSpPr>
-            <a:spLocks noGrp="1"/>
-          </p:cNvSpPr>
-          <p:nvPr>
-            <p:ph type="dt" idx="1"/>
-          </p:nvPr>
-        </p:nvSpPr>
-        <p:spPr>
-          <a:xfrm>
-            <a:off x="3884613" y="0"/>
-            <a:ext cx="2971800" cy="457200"/>
-          </a:xfrm>
-          <a:prstGeom prst="rect">
-            <a:avLst/>
-          </a:prstGeom>
-        </p:spPr>
-        <p:txBody>
-          <a:bodyPr vert="horz" lIns="91440" tIns="45720" rIns="91440" bIns="45720" rtlCol="0"/>
-          <a:lstStyle>
-            <a:lvl1pPr algn="r">
-              <a:defRPr sz="1200"/>
-            </a:lvl1pPr>
-          </a:lstStyle>
-          <a:p>
-            <a:fld id="{BB2077B6-E12E-4582-BCE5-8B1B037EBF3E}" type="datetimeFigureOut">
-              <a:rPr lang="en-US" smtClean="0"/>
-              <a:pPr/>
-              <a:t>5/16/2017</a:t>
-            </a:fld>
-            <a:endParaRPr lang="en-US"/>
-          </a:p>
-        </p:txBody>
-      </p:sp>
-      <p:sp>
-        <p:nvSpPr>
-          <p:cNvPr id="4" name="Slide Image Placeholder 3"/>
-          <p:cNvSpPr>
-            <a:spLocks noGrp="1" noRot="1" noChangeAspect="1"/>
-          </p:cNvSpPr>
-          <p:nvPr>
-            <p:ph type="sldImg" idx="2"/>
-          </p:nvPr>
-        </p:nvSpPr>
-        <p:spPr>
-          <a:xfrm>
-            <a:off x="1143000" y="685800"/>
-            <a:ext cx="4572000" cy="3429000"/>
-          </a:xfrm>
-          <a:prstGeom prst="rect">
-            <a:avLst/>
-          </a:prstGeom>
-          <a:noFill/>
-          <a:ln w="12700">
-            <a:solidFill>
-              <a:prstClr val="black"/>
-            </a:solidFill>
-          </a:ln>
-        </p:spPr>
-        <p:txBody>
-          <a:bodyPr vert="horz" lIns="91440" tIns="45720" rIns="91440" bIns="45720" rtlCol="0" anchor="ctr"/>
-          <a:lstStyle/>
-          <a:p>
-            <a:endParaRPr lang="en-US"/>
-          </a:p>
-        </p:txBody>
-      </p:sp>
-      <p:sp>
-        <p:nvSpPr>
-          <p:cNvPr id="5" name="Notes Placeholder 4"/>
-          <p:cNvSpPr>
-            <a:spLocks noGrp="1"/>
-          </p:cNvSpPr>
-          <p:nvPr>
-            <p:ph type="body" sz="quarter" idx="3"/>
-          </p:nvPr>
-        </p:nvSpPr>
-        <p:spPr>
-          <a:xfrm>
-            <a:off x="685800" y="4343400"/>
-            <a:ext cx="5486400" cy="4114800"/>
-          </a:xfrm>
-          <a:prstGeom prst="rect">
-            <a:avLst/>
-          </a:prstGeom>
-        </p:spPr>
-        <p:txBody>
-          <a:bodyPr vert="horz" lIns="91440" tIns="45720" rIns="91440" bIns="45720" rtlCol="0">
-            <a:normAutofit/>
-          </a:bodyPr>
-          <a:lstStyle/>
-          <a:p>
-            <a:pPr lvl="0"/>
-            <a:r>
-              <a:rPr lang="en-US" smtClean="0"/>
-              <a:t>Click to edit Master text styles</a:t>
-            </a:r>
-          </a:p>
-          <a:p>
-            <a:pPr lvl="1"/>
-            <a:r>
-              <a:rPr lang="en-US" smtClean="0"/>
-              <a:t>Second level</a:t>
-            </a:r>
-          </a:p>
-          <a:p>
-            <a:pPr lvl="2"/>
-            <a:r>
-              <a:rPr lang="en-US" smtClean="0"/>
-              <a:t>Third level</a:t>
-            </a:r>
-          </a:p>
-          <a:p>
-            <a:pPr lvl="3"/>
-            <a:r>
-              <a:rPr lang="en-US" smtClean="0"/>
-              <a:t>Fourth level</a:t>
-            </a:r>
-          </a:p>
-          <a:p>
-            <a:pPr lvl="4"/>
-            <a:r>
-              <a:rPr lang="en-US" smtClean="0"/>
-              <a:t>Fifth level</a:t>
-            </a:r>
-            <a:endParaRPr lang="en-US"/>
-          </a:p>
-        </p:txBody>
-      </p:sp>
-      <p:sp>
-        <p:nvSpPr>
-          <p:cNvPr id="6" name="Footer Placeholder 5"/>
-          <p:cNvSpPr>
-            <a:spLocks noGrp="1"/>
-          </p:cNvSpPr>
-          <p:nvPr>
-            <p:ph type="ftr" sz="quarter" idx="4"/>
-          </p:nvPr>
-        </p:nvSpPr>
-        <p:spPr>
-          <a:xfrm>
-            <a:off x="0" y="8685213"/>
-            <a:ext cx="2971800" cy="457200"/>
-          </a:xfrm>
-          <a:prstGeom prst="rect">
-            <a:avLst/>
-          </a:prstGeom>
-        </p:spPr>
-        <p:txBody>
-          <a:bodyPr vert="horz" lIns="91440" tIns="45720" rIns="91440" bIns="45720" rtlCol="0" anchor="b"/>
-          <a:lstStyle>
-            <a:lvl1pPr algn="l">
-              <a:defRPr sz="1200"/>
-            </a:lvl1pPr>
-          </a:lstStyle>
-          <a:p>
-            <a:endParaRPr lang="en-US"/>
-          </a:p>
-        </p:txBody>
-      </p:sp>
-      <p:sp>
-        <p:nvSpPr>
-          <p:cNvPr id="7" name="Slide Number Placeholder 6"/>
-          <p:cNvSpPr>
-            <a:spLocks noGrp="1"/>
-          </p:cNvSpPr>
-          <p:nvPr>
-            <p:ph type="sldNum" sz="quarter" idx="5"/>
-          </p:nvPr>
-        </p:nvSpPr>
-        <p:spPr>
-          <a:xfrm>
-            <a:off x="3884613" y="8685213"/>
-            <a:ext cx="2971800" cy="457200"/>
-          </a:xfrm>
-          <a:prstGeom prst="rect">
-            <a:avLst/>
-          </a:prstGeom>
-        </p:spPr>
-        <p:txBody>
-          <a:bodyPr vert="horz" lIns="91440" tIns="45720" rIns="91440" bIns="45720" rtlCol="0" anchor="b"/>
-          <a:lstStyle>
-            <a:lvl1pPr algn="r">
-              <a:defRPr sz="1200"/>
-            </a:lvl1pPr>
-          </a:lstStyle>
-          <a:p>
-            <a:fld id="{31F30A6A-5CED-4BB4-BF25-87E51037D367}" type="slidenum">
-              <a:rPr lang="en-US" smtClean="0"/>
-              <a:pPr/>
-              <a:t>‹#›</a:t>
-            </a:fld>
-            <a:endParaRPr lang="en-US"/>
-          </a:p>
-        </p:txBody>
-      </p:sp>
-    </p:spTree>
-    <p:extLst>
-      <p:ext uri="{BB962C8B-B14F-4D97-AF65-F5344CB8AC3E}">
-        <p14:creationId xmlns:p14="http://schemas.microsoft.com/office/powerpoint/2010/main" val="1416197565"/>
-      </p:ext>
-    </p:extLst>
-  </p:cSld>
-  <p:clrMap bg1="lt1" tx1="dk1" bg2="lt2" tx2="dk2" accent1="accent1" accent2="accent2" accent3="accent3" accent4="accent4" accent5="accent5" accent6="accent6" hlink="hlink" folHlink="folHlink"/>
-  <p:notesStyle>
-    <a:lvl1pPr marL="0" algn="l" defTabSz="914400" rtl="0" eaLnBrk="1" latinLnBrk="0" hangingPunct="1">
-      <a:defRPr sz="1200" kern="1200">
-        <a:solidFill>
-          <a:schemeClr val="tx1"/>
-        </a:solidFill>
-        <a:latin typeface="+mn-lt"/>
-        <a:ea typeface="+mn-ea"/>
-        <a:cs typeface="+mn-cs"/>
-      </a:defRPr>
-    </a:lvl1pPr>
-    <a:lvl2pPr marL="457200" algn="l" defTabSz="914400" rtl="0" eaLnBrk="1" latinLnBrk="0" hangingPunct="1">
-      <a:defRPr sz="1200" kern="1200">
-        <a:solidFill>
-          <a:schemeClr val="tx1"/>
-        </a:solidFill>
-        <a:latin typeface="+mn-lt"/>
-        <a:ea typeface="+mn-ea"/>
-        <a:cs typeface="+mn-cs"/>
-      </a:defRPr>
-    </a:lvl2pPr>
-    <a:lvl3pPr marL="914400" algn="l" defTabSz="914400" rtl="0" eaLnBrk="1" latinLnBrk="0" hangingPunct="1">
-      <a:defRPr sz="1200" kern="1200">
-        <a:solidFill>
-          <a:schemeClr val="tx1"/>
-        </a:solidFill>
-        <a:latin typeface="+mn-lt"/>
-        <a:ea typeface="+mn-ea"/>
-        <a:cs typeface="+mn-cs"/>
-      </a:defRPr>
-    </a:lvl3pPr>
-    <a:lvl4pPr marL="1371600" algn="l" defTabSz="914400" rtl="0" eaLnBrk="1" latinLnBrk="0" hangingPunct="1">
-      <a:defRPr sz="1200" kern="1200">
-        <a:solidFill>
-          <a:schemeClr val="tx1"/>
-        </a:solidFill>
-        <a:latin typeface="+mn-lt"/>
-        <a:ea typeface="+mn-ea"/>
-        <a:cs typeface="+mn-cs"/>
-      </a:defRPr>
-    </a:lvl4pPr>
-    <a:lvl5pPr marL="1828800" algn="l" defTabSz="914400" rtl="0" eaLnBrk="1" latinLnBrk="0" hangingPunct="1">
-      <a:defRPr sz="1200" kern="1200">
-        <a:solidFill>
-          <a:schemeClr val="tx1"/>
-        </a:solidFill>
-        <a:latin typeface="+mn-lt"/>
-        <a:ea typeface="+mn-ea"/>
-        <a:cs typeface="+mn-cs"/>
-      </a:defRPr>
-    </a:lvl5pPr>
-    <a:lvl6pPr marL="2286000" algn="l" defTabSz="914400" rtl="0" eaLnBrk="1" latinLnBrk="0" hangingPunct="1">
-      <a:defRPr sz="1200" kern="1200">
-        <a:solidFill>
-          <a:schemeClr val="tx1"/>
-        </a:solidFill>
-        <a:latin typeface="+mn-lt"/>
-        <a:ea typeface="+mn-ea"/>
-        <a:cs typeface="+mn-cs"/>
-      </a:defRPr>
-    </a:lvl6pPr>
-    <a:lvl7pPr marL="2743200" algn="l" defTabSz="914400" rtl="0" eaLnBrk="1" latinLnBrk="0" hangingPunct="1">
-      <a:defRPr sz="1200" kern="1200">
-        <a:solidFill>
-          <a:schemeClr val="tx1"/>
-        </a:solidFill>
-        <a:latin typeface="+mn-lt"/>
-        <a:ea typeface="+mn-ea"/>
-        <a:cs typeface="+mn-cs"/>
-      </a:defRPr>
-    </a:lvl7pPr>
-    <a:lvl8pPr marL="3200400" algn="l" defTabSz="914400" rtl="0" eaLnBrk="1" latinLnBrk="0" hangingPunct="1">
-      <a:defRPr sz="1200" kern="1200">
-        <a:solidFill>
-          <a:schemeClr val="tx1"/>
-        </a:solidFill>
-        <a:latin typeface="+mn-lt"/>
-        <a:ea typeface="+mn-ea"/>
-        <a:cs typeface="+mn-cs"/>
-      </a:defRPr>
-    </a:lvl8pPr>
-    <a:lvl9pPr marL="3657600" algn="l" defTabSz="914400" rtl="0" eaLnBrk="1" latinLnBrk="0" hangingPunct="1">
-      <a:defRPr sz="1200" kern="1200">
-        <a:solidFill>
-          <a:schemeClr val="tx1"/>
-        </a:solidFill>
-        <a:latin typeface="+mn-lt"/>
-        <a:ea typeface="+mn-ea"/>
-        <a:cs typeface="+mn-cs"/>
-      </a:defRPr>
-    </a:lvl9pPr>
-  </p:notesStyle>
-</p:notesMaster>
-</file>
-
-<file path=ppt/notesSlides/notesSlide1.xml><?xml version="1.0" encoding="utf-8"?>
-<p:notes xmlns:a="http://schemas.openxmlformats.org/drawingml/2006/main" xmlns:r="http://schemas.openxmlformats.org/officeDocument/2006/relationships" xmlns:p="http://schemas.openxmlformats.org/presentationml/2006/main">
-  <p:cSld>
-    <p:spTree>
-      <p:nvGrpSpPr>
-        <p:cNvPr id="1" name=""/>
-        <p:cNvGrpSpPr/>
-        <p:nvPr/>
-      </p:nvGrpSpPr>
-      <p:grpSpPr>
-        <a:xfrm>
-          <a:off x="0" y="0"/>
-          <a:ext cx="0" cy="0"/>
-          <a:chOff x="0" y="0"/>
-          <a:chExt cx="0" cy="0"/>
-        </a:xfrm>
-      </p:grpSpPr>
-      <p:sp>
-        <p:nvSpPr>
-          <p:cNvPr id="2" name="Slide Image Placeholder 1"/>
-          <p:cNvSpPr>
-            <a:spLocks noGrp="1" noRot="1" noChangeAspect="1"/>
-          </p:cNvSpPr>
-          <p:nvPr>
-            <p:ph type="sldImg"/>
-          </p:nvPr>
-        </p:nvSpPr>
-        <p:spPr/>
-      </p:sp>
-      <p:sp>
-        <p:nvSpPr>
-          <p:cNvPr id="3" name="Notes Placeholder 2"/>
-          <p:cNvSpPr>
-            <a:spLocks noGrp="1"/>
-          </p:cNvSpPr>
-          <p:nvPr>
-            <p:ph type="body" idx="1"/>
-          </p:nvPr>
-        </p:nvSpPr>
-        <p:spPr/>
-        <p:txBody>
-          <a:bodyPr>
-            <a:normAutofit/>
-          </a:bodyPr>
-          <a:lstStyle/>
-          <a:p>
-            <a:endParaRPr lang="en-US"/>
-          </a:p>
-        </p:txBody>
-      </p:sp>
-      <p:sp>
-        <p:nvSpPr>
-          <p:cNvPr id="4" name="Slide Number Placeholder 3"/>
-          <p:cNvSpPr>
-            <a:spLocks noGrp="1"/>
-          </p:cNvSpPr>
-          <p:nvPr>
-            <p:ph type="sldNum" sz="quarter" idx="10"/>
-          </p:nvPr>
-        </p:nvSpPr>
-        <p:spPr/>
-        <p:txBody>
-          <a:bodyPr/>
-          <a:lstStyle/>
-          <a:p>
-            <a:fld id="{31F30A6A-5CED-4BB4-BF25-87E51037D367}" type="slidenum">
-              <a:rPr lang="en-US" smtClean="0"/>
-              <a:pPr/>
-              <a:t>1</a:t>
-            </a:fld>
-            <a:endParaRPr lang="en-US"/>
-          </a:p>
-        </p:txBody>
-      </p:sp>
-    </p:spTree>
-  </p:cSld>
-  <p:clrMapOvr>
-    <a:masterClrMapping/>
-  </p:clrMapOvr>
-</p:notes>
-</file>
-
 <file path=ppt/slideLayouts/slideLayout1.xml><?xml version="1.0" encoding="utf-8"?>
 <p:sldLayout xmlns:a="http://schemas.openxmlformats.org/drawingml/2006/main" xmlns:r="http://schemas.openxmlformats.org/officeDocument/2006/relationships" xmlns:p="http://schemas.openxmlformats.org/presentationml/2006/main" type="title" preserve="1">
   <p:cSld name="Title Slide">
@@ -587,7 +148,7 @@
               <a:rPr lang="en-US" smtClean="0"/>
               <a:t>Click to edit Master title style</a:t>
             </a:r>
-            <a:endParaRPr lang="en-US"/>
+            <a:endParaRPr lang="en-SG"/>
           </a:p>
         </p:txBody>
       </p:sp>
@@ -706,7 +267,7 @@
               <a:rPr lang="en-US" smtClean="0"/>
               <a:t>Click to edit Master subtitle style</a:t>
             </a:r>
-            <a:endParaRPr lang="en-US"/>
+            <a:endParaRPr lang="en-SG"/>
           </a:p>
         </p:txBody>
       </p:sp>
@@ -725,12 +286,11 @@
           <a:bodyPr/>
           <a:lstStyle/>
           <a:p>
-            <a:fld id="{11EAC7CB-ADF2-4553-B517-CFEB12672B50}" type="datetimeFigureOut">
-              <a:rPr lang="en-US" smtClean="0"/>
-              <a:pPr/>
-              <a:t>5/16/2017</a:t>
+            <a:fld id="{A0F86979-30DA-49EE-A740-32EBA6D2B7DE}" type="datetimeFigureOut">
+              <a:rPr lang="en-SG" smtClean="0"/>
+              <a:t>2/6/2017</a:t>
             </a:fld>
-            <a:endParaRPr lang="en-US"/>
+            <a:endParaRPr lang="en-SG"/>
           </a:p>
         </p:txBody>
       </p:sp>
@@ -749,7 +309,7 @@
           <a:bodyPr/>
           <a:lstStyle/>
           <a:p>
-            <a:endParaRPr lang="en-US"/>
+            <a:endParaRPr lang="en-SG"/>
           </a:p>
         </p:txBody>
       </p:sp>
@@ -768,16 +328,20 @@
           <a:bodyPr/>
           <a:lstStyle/>
           <a:p>
-            <a:fld id="{3350C099-A688-48CE-99CF-6D780C81E6EA}" type="slidenum">
-              <a:rPr lang="en-US" smtClean="0"/>
-              <a:pPr/>
+            <a:fld id="{EBF7C7F7-E270-4260-A412-76A75D6182AD}" type="slidenum">
+              <a:rPr lang="en-SG" smtClean="0"/>
               <a:t>‹#›</a:t>
             </a:fld>
-            <a:endParaRPr lang="en-US"/>
+            <a:endParaRPr lang="en-SG"/>
           </a:p>
         </p:txBody>
       </p:sp>
     </p:spTree>
+    <p:extLst>
+      <p:ext uri="{BB962C8B-B14F-4D97-AF65-F5344CB8AC3E}">
+        <p14:creationId xmlns:p14="http://schemas.microsoft.com/office/powerpoint/2010/main" val="135796274"/>
+      </p:ext>
+    </p:extLst>
   </p:cSld>
   <p:clrMapOvr>
     <a:masterClrMapping/>
@@ -821,7 +385,7 @@
               <a:rPr lang="en-US" smtClean="0"/>
               <a:t>Click to edit Master title style</a:t>
             </a:r>
-            <a:endParaRPr lang="en-US"/>
+            <a:endParaRPr lang="en-SG"/>
           </a:p>
         </p:txBody>
       </p:sp>
@@ -873,7 +437,7 @@
               <a:rPr lang="en-US" smtClean="0"/>
               <a:t>Fifth level</a:t>
             </a:r>
-            <a:endParaRPr lang="en-US"/>
+            <a:endParaRPr lang="en-SG"/>
           </a:p>
         </p:txBody>
       </p:sp>
@@ -892,12 +456,11 @@
           <a:bodyPr/>
           <a:lstStyle/>
           <a:p>
-            <a:fld id="{11EAC7CB-ADF2-4553-B517-CFEB12672B50}" type="datetimeFigureOut">
-              <a:rPr lang="en-US" smtClean="0"/>
-              <a:pPr/>
-              <a:t>5/16/2017</a:t>
+            <a:fld id="{A0F86979-30DA-49EE-A740-32EBA6D2B7DE}" type="datetimeFigureOut">
+              <a:rPr lang="en-SG" smtClean="0"/>
+              <a:t>2/6/2017</a:t>
             </a:fld>
-            <a:endParaRPr lang="en-US"/>
+            <a:endParaRPr lang="en-SG"/>
           </a:p>
         </p:txBody>
       </p:sp>
@@ -916,7 +479,7 @@
           <a:bodyPr/>
           <a:lstStyle/>
           <a:p>
-            <a:endParaRPr lang="en-US"/>
+            <a:endParaRPr lang="en-SG"/>
           </a:p>
         </p:txBody>
       </p:sp>
@@ -935,16 +498,20 @@
           <a:bodyPr/>
           <a:lstStyle/>
           <a:p>
-            <a:fld id="{3350C099-A688-48CE-99CF-6D780C81E6EA}" type="slidenum">
-              <a:rPr lang="en-US" smtClean="0"/>
-              <a:pPr/>
+            <a:fld id="{EBF7C7F7-E270-4260-A412-76A75D6182AD}" type="slidenum">
+              <a:rPr lang="en-SG" smtClean="0"/>
               <a:t>‹#›</a:t>
             </a:fld>
-            <a:endParaRPr lang="en-US"/>
+            <a:endParaRPr lang="en-SG"/>
           </a:p>
         </p:txBody>
       </p:sp>
     </p:spTree>
+    <p:extLst>
+      <p:ext uri="{BB962C8B-B14F-4D97-AF65-F5344CB8AC3E}">
+        <p14:creationId xmlns:p14="http://schemas.microsoft.com/office/powerpoint/2010/main" val="3528568514"/>
+      </p:ext>
+    </p:extLst>
   </p:cSld>
   <p:clrMapOvr>
     <a:masterClrMapping/>
@@ -993,7 +560,7 @@
               <a:rPr lang="en-US" smtClean="0"/>
               <a:t>Click to edit Master title style</a:t>
             </a:r>
-            <a:endParaRPr lang="en-US"/>
+            <a:endParaRPr lang="en-SG"/>
           </a:p>
         </p:txBody>
       </p:sp>
@@ -1050,7 +617,7 @@
               <a:rPr lang="en-US" smtClean="0"/>
               <a:t>Fifth level</a:t>
             </a:r>
-            <a:endParaRPr lang="en-US"/>
+            <a:endParaRPr lang="en-SG"/>
           </a:p>
         </p:txBody>
       </p:sp>
@@ -1069,12 +636,11 @@
           <a:bodyPr/>
           <a:lstStyle/>
           <a:p>
-            <a:fld id="{11EAC7CB-ADF2-4553-B517-CFEB12672B50}" type="datetimeFigureOut">
-              <a:rPr lang="en-US" smtClean="0"/>
-              <a:pPr/>
-              <a:t>5/16/2017</a:t>
+            <a:fld id="{A0F86979-30DA-49EE-A740-32EBA6D2B7DE}" type="datetimeFigureOut">
+              <a:rPr lang="en-SG" smtClean="0"/>
+              <a:t>2/6/2017</a:t>
             </a:fld>
-            <a:endParaRPr lang="en-US"/>
+            <a:endParaRPr lang="en-SG"/>
           </a:p>
         </p:txBody>
       </p:sp>
@@ -1093,7 +659,7 @@
           <a:bodyPr/>
           <a:lstStyle/>
           <a:p>
-            <a:endParaRPr lang="en-US"/>
+            <a:endParaRPr lang="en-SG"/>
           </a:p>
         </p:txBody>
       </p:sp>
@@ -1112,16 +678,20 @@
           <a:bodyPr/>
           <a:lstStyle/>
           <a:p>
-            <a:fld id="{3350C099-A688-48CE-99CF-6D780C81E6EA}" type="slidenum">
-              <a:rPr lang="en-US" smtClean="0"/>
-              <a:pPr/>
+            <a:fld id="{EBF7C7F7-E270-4260-A412-76A75D6182AD}" type="slidenum">
+              <a:rPr lang="en-SG" smtClean="0"/>
               <a:t>‹#›</a:t>
             </a:fld>
-            <a:endParaRPr lang="en-US"/>
+            <a:endParaRPr lang="en-SG"/>
           </a:p>
         </p:txBody>
       </p:sp>
     </p:spTree>
+    <p:extLst>
+      <p:ext uri="{BB962C8B-B14F-4D97-AF65-F5344CB8AC3E}">
+        <p14:creationId xmlns:p14="http://schemas.microsoft.com/office/powerpoint/2010/main" val="2418564099"/>
+      </p:ext>
+    </p:extLst>
   </p:cSld>
   <p:clrMapOvr>
     <a:masterClrMapping/>
@@ -1165,7 +735,7 @@
               <a:rPr lang="en-US" smtClean="0"/>
               <a:t>Click to edit Master title style</a:t>
             </a:r>
-            <a:endParaRPr lang="en-US"/>
+            <a:endParaRPr lang="en-SG"/>
           </a:p>
         </p:txBody>
       </p:sp>
@@ -1217,7 +787,7 @@
               <a:rPr lang="en-US" smtClean="0"/>
               <a:t>Fifth level</a:t>
             </a:r>
-            <a:endParaRPr lang="en-US"/>
+            <a:endParaRPr lang="en-SG"/>
           </a:p>
         </p:txBody>
       </p:sp>
@@ -1236,12 +806,11 @@
           <a:bodyPr/>
           <a:lstStyle/>
           <a:p>
-            <a:fld id="{11EAC7CB-ADF2-4553-B517-CFEB12672B50}" type="datetimeFigureOut">
-              <a:rPr lang="en-US" smtClean="0"/>
-              <a:pPr/>
-              <a:t>5/16/2017</a:t>
+            <a:fld id="{A0F86979-30DA-49EE-A740-32EBA6D2B7DE}" type="datetimeFigureOut">
+              <a:rPr lang="en-SG" smtClean="0"/>
+              <a:t>2/6/2017</a:t>
             </a:fld>
-            <a:endParaRPr lang="en-US"/>
+            <a:endParaRPr lang="en-SG"/>
           </a:p>
         </p:txBody>
       </p:sp>
@@ -1260,7 +829,7 @@
           <a:bodyPr/>
           <a:lstStyle/>
           <a:p>
-            <a:endParaRPr lang="en-US"/>
+            <a:endParaRPr lang="en-SG"/>
           </a:p>
         </p:txBody>
       </p:sp>
@@ -1279,16 +848,20 @@
           <a:bodyPr/>
           <a:lstStyle/>
           <a:p>
-            <a:fld id="{3350C099-A688-48CE-99CF-6D780C81E6EA}" type="slidenum">
-              <a:rPr lang="en-US" smtClean="0"/>
-              <a:pPr/>
+            <a:fld id="{EBF7C7F7-E270-4260-A412-76A75D6182AD}" type="slidenum">
+              <a:rPr lang="en-SG" smtClean="0"/>
               <a:t>‹#›</a:t>
             </a:fld>
-            <a:endParaRPr lang="en-US"/>
+            <a:endParaRPr lang="en-SG"/>
           </a:p>
         </p:txBody>
       </p:sp>
     </p:spTree>
+    <p:extLst>
+      <p:ext uri="{BB962C8B-B14F-4D97-AF65-F5344CB8AC3E}">
+        <p14:creationId xmlns:p14="http://schemas.microsoft.com/office/powerpoint/2010/main" val="4201411315"/>
+      </p:ext>
+    </p:extLst>
   </p:cSld>
   <p:clrMapOvr>
     <a:masterClrMapping/>
@@ -1341,7 +914,7 @@
               <a:rPr lang="en-US" smtClean="0"/>
               <a:t>Click to edit Master title style</a:t>
             </a:r>
-            <a:endParaRPr lang="en-US"/>
+            <a:endParaRPr lang="en-SG"/>
           </a:p>
         </p:txBody>
       </p:sp>
@@ -1479,12 +1052,11 @@
           <a:bodyPr/>
           <a:lstStyle/>
           <a:p>
-            <a:fld id="{11EAC7CB-ADF2-4553-B517-CFEB12672B50}" type="datetimeFigureOut">
-              <a:rPr lang="en-US" smtClean="0"/>
-              <a:pPr/>
-              <a:t>5/16/2017</a:t>
+            <a:fld id="{A0F86979-30DA-49EE-A740-32EBA6D2B7DE}" type="datetimeFigureOut">
+              <a:rPr lang="en-SG" smtClean="0"/>
+              <a:t>2/6/2017</a:t>
             </a:fld>
-            <a:endParaRPr lang="en-US"/>
+            <a:endParaRPr lang="en-SG"/>
           </a:p>
         </p:txBody>
       </p:sp>
@@ -1503,7 +1075,7 @@
           <a:bodyPr/>
           <a:lstStyle/>
           <a:p>
-            <a:endParaRPr lang="en-US"/>
+            <a:endParaRPr lang="en-SG"/>
           </a:p>
         </p:txBody>
       </p:sp>
@@ -1522,16 +1094,20 @@
           <a:bodyPr/>
           <a:lstStyle/>
           <a:p>
-            <a:fld id="{3350C099-A688-48CE-99CF-6D780C81E6EA}" type="slidenum">
-              <a:rPr lang="en-US" smtClean="0"/>
-              <a:pPr/>
+            <a:fld id="{EBF7C7F7-E270-4260-A412-76A75D6182AD}" type="slidenum">
+              <a:rPr lang="en-SG" smtClean="0"/>
               <a:t>‹#›</a:t>
             </a:fld>
-            <a:endParaRPr lang="en-US"/>
+            <a:endParaRPr lang="en-SG"/>
           </a:p>
         </p:txBody>
       </p:sp>
     </p:spTree>
+    <p:extLst>
+      <p:ext uri="{BB962C8B-B14F-4D97-AF65-F5344CB8AC3E}">
+        <p14:creationId xmlns:p14="http://schemas.microsoft.com/office/powerpoint/2010/main" val="3750375640"/>
+      </p:ext>
+    </p:extLst>
   </p:cSld>
   <p:clrMapOvr>
     <a:masterClrMapping/>
@@ -1575,7 +1151,7 @@
               <a:rPr lang="en-US" smtClean="0"/>
               <a:t>Click to edit Master title style</a:t>
             </a:r>
-            <a:endParaRPr lang="en-US"/>
+            <a:endParaRPr lang="en-SG"/>
           </a:p>
         </p:txBody>
       </p:sp>
@@ -1660,7 +1236,7 @@
               <a:rPr lang="en-US" smtClean="0"/>
               <a:t>Fifth level</a:t>
             </a:r>
-            <a:endParaRPr lang="en-US"/>
+            <a:endParaRPr lang="en-SG"/>
           </a:p>
         </p:txBody>
       </p:sp>
@@ -1745,7 +1321,7 @@
               <a:rPr lang="en-US" smtClean="0"/>
               <a:t>Fifth level</a:t>
             </a:r>
-            <a:endParaRPr lang="en-US"/>
+            <a:endParaRPr lang="en-SG"/>
           </a:p>
         </p:txBody>
       </p:sp>
@@ -1764,12 +1340,11 @@
           <a:bodyPr/>
           <a:lstStyle/>
           <a:p>
-            <a:fld id="{11EAC7CB-ADF2-4553-B517-CFEB12672B50}" type="datetimeFigureOut">
-              <a:rPr lang="en-US" smtClean="0"/>
-              <a:pPr/>
-              <a:t>5/16/2017</a:t>
+            <a:fld id="{A0F86979-30DA-49EE-A740-32EBA6D2B7DE}" type="datetimeFigureOut">
+              <a:rPr lang="en-SG" smtClean="0"/>
+              <a:t>2/6/2017</a:t>
             </a:fld>
-            <a:endParaRPr lang="en-US"/>
+            <a:endParaRPr lang="en-SG"/>
           </a:p>
         </p:txBody>
       </p:sp>
@@ -1788,7 +1363,7 @@
           <a:bodyPr/>
           <a:lstStyle/>
           <a:p>
-            <a:endParaRPr lang="en-US"/>
+            <a:endParaRPr lang="en-SG"/>
           </a:p>
         </p:txBody>
       </p:sp>
@@ -1807,16 +1382,20 @@
           <a:bodyPr/>
           <a:lstStyle/>
           <a:p>
-            <a:fld id="{3350C099-A688-48CE-99CF-6D780C81E6EA}" type="slidenum">
-              <a:rPr lang="en-US" smtClean="0"/>
-              <a:pPr/>
+            <a:fld id="{EBF7C7F7-E270-4260-A412-76A75D6182AD}" type="slidenum">
+              <a:rPr lang="en-SG" smtClean="0"/>
               <a:t>‹#›</a:t>
             </a:fld>
-            <a:endParaRPr lang="en-US"/>
+            <a:endParaRPr lang="en-SG"/>
           </a:p>
         </p:txBody>
       </p:sp>
     </p:spTree>
+    <p:extLst>
+      <p:ext uri="{BB962C8B-B14F-4D97-AF65-F5344CB8AC3E}">
+        <p14:creationId xmlns:p14="http://schemas.microsoft.com/office/powerpoint/2010/main" val="168309803"/>
+      </p:ext>
+    </p:extLst>
   </p:cSld>
   <p:clrMapOvr>
     <a:masterClrMapping/>
@@ -1864,7 +1443,7 @@
               <a:rPr lang="en-US" smtClean="0"/>
               <a:t>Click to edit Master title style</a:t>
             </a:r>
-            <a:endParaRPr lang="en-US"/>
+            <a:endParaRPr lang="en-SG"/>
           </a:p>
         </p:txBody>
       </p:sp>
@@ -2014,7 +1593,7 @@
               <a:rPr lang="en-US" smtClean="0"/>
               <a:t>Fifth level</a:t>
             </a:r>
-            <a:endParaRPr lang="en-US"/>
+            <a:endParaRPr lang="en-SG"/>
           </a:p>
         </p:txBody>
       </p:sp>
@@ -2164,7 +1743,7 @@
               <a:rPr lang="en-US" smtClean="0"/>
               <a:t>Fifth level</a:t>
             </a:r>
-            <a:endParaRPr lang="en-US"/>
+            <a:endParaRPr lang="en-SG"/>
           </a:p>
         </p:txBody>
       </p:sp>
@@ -2183,12 +1762,11 @@
           <a:bodyPr/>
           <a:lstStyle/>
           <a:p>
-            <a:fld id="{11EAC7CB-ADF2-4553-B517-CFEB12672B50}" type="datetimeFigureOut">
-              <a:rPr lang="en-US" smtClean="0"/>
-              <a:pPr/>
-              <a:t>5/16/2017</a:t>
+            <a:fld id="{A0F86979-30DA-49EE-A740-32EBA6D2B7DE}" type="datetimeFigureOut">
+              <a:rPr lang="en-SG" smtClean="0"/>
+              <a:t>2/6/2017</a:t>
             </a:fld>
-            <a:endParaRPr lang="en-US"/>
+            <a:endParaRPr lang="en-SG"/>
           </a:p>
         </p:txBody>
       </p:sp>
@@ -2207,7 +1785,7 @@
           <a:bodyPr/>
           <a:lstStyle/>
           <a:p>
-            <a:endParaRPr lang="en-US"/>
+            <a:endParaRPr lang="en-SG"/>
           </a:p>
         </p:txBody>
       </p:sp>
@@ -2226,16 +1804,20 @@
           <a:bodyPr/>
           <a:lstStyle/>
           <a:p>
-            <a:fld id="{3350C099-A688-48CE-99CF-6D780C81E6EA}" type="slidenum">
-              <a:rPr lang="en-US" smtClean="0"/>
-              <a:pPr/>
+            <a:fld id="{EBF7C7F7-E270-4260-A412-76A75D6182AD}" type="slidenum">
+              <a:rPr lang="en-SG" smtClean="0"/>
               <a:t>‹#›</a:t>
             </a:fld>
-            <a:endParaRPr lang="en-US"/>
+            <a:endParaRPr lang="en-SG"/>
           </a:p>
         </p:txBody>
       </p:sp>
     </p:spTree>
+    <p:extLst>
+      <p:ext uri="{BB962C8B-B14F-4D97-AF65-F5344CB8AC3E}">
+        <p14:creationId xmlns:p14="http://schemas.microsoft.com/office/powerpoint/2010/main" val="188146314"/>
+      </p:ext>
+    </p:extLst>
   </p:cSld>
   <p:clrMapOvr>
     <a:masterClrMapping/>
@@ -2279,7 +1861,7 @@
               <a:rPr lang="en-US" smtClean="0"/>
               <a:t>Click to edit Master title style</a:t>
             </a:r>
-            <a:endParaRPr lang="en-US"/>
+            <a:endParaRPr lang="en-SG"/>
           </a:p>
         </p:txBody>
       </p:sp>
@@ -2298,12 +1880,11 @@
           <a:bodyPr/>
           <a:lstStyle/>
           <a:p>
-            <a:fld id="{11EAC7CB-ADF2-4553-B517-CFEB12672B50}" type="datetimeFigureOut">
-              <a:rPr lang="en-US" smtClean="0"/>
-              <a:pPr/>
-              <a:t>5/16/2017</a:t>
+            <a:fld id="{A0F86979-30DA-49EE-A740-32EBA6D2B7DE}" type="datetimeFigureOut">
+              <a:rPr lang="en-SG" smtClean="0"/>
+              <a:t>2/6/2017</a:t>
             </a:fld>
-            <a:endParaRPr lang="en-US"/>
+            <a:endParaRPr lang="en-SG"/>
           </a:p>
         </p:txBody>
       </p:sp>
@@ -2322,7 +1903,7 @@
           <a:bodyPr/>
           <a:lstStyle/>
           <a:p>
-            <a:endParaRPr lang="en-US"/>
+            <a:endParaRPr lang="en-SG"/>
           </a:p>
         </p:txBody>
       </p:sp>
@@ -2341,16 +1922,20 @@
           <a:bodyPr/>
           <a:lstStyle/>
           <a:p>
-            <a:fld id="{3350C099-A688-48CE-99CF-6D780C81E6EA}" type="slidenum">
-              <a:rPr lang="en-US" smtClean="0"/>
-              <a:pPr/>
+            <a:fld id="{EBF7C7F7-E270-4260-A412-76A75D6182AD}" type="slidenum">
+              <a:rPr lang="en-SG" smtClean="0"/>
               <a:t>‹#›</a:t>
             </a:fld>
-            <a:endParaRPr lang="en-US"/>
+            <a:endParaRPr lang="en-SG"/>
           </a:p>
         </p:txBody>
       </p:sp>
     </p:spTree>
+    <p:extLst>
+      <p:ext uri="{BB962C8B-B14F-4D97-AF65-F5344CB8AC3E}">
+        <p14:creationId xmlns:p14="http://schemas.microsoft.com/office/powerpoint/2010/main" val="3909473291"/>
+      </p:ext>
+    </p:extLst>
   </p:cSld>
   <p:clrMapOvr>
     <a:masterClrMapping/>
@@ -2390,12 +1975,11 @@
           <a:bodyPr/>
           <a:lstStyle/>
           <a:p>
-            <a:fld id="{11EAC7CB-ADF2-4553-B517-CFEB12672B50}" type="datetimeFigureOut">
-              <a:rPr lang="en-US" smtClean="0"/>
-              <a:pPr/>
-              <a:t>5/16/2017</a:t>
+            <a:fld id="{A0F86979-30DA-49EE-A740-32EBA6D2B7DE}" type="datetimeFigureOut">
+              <a:rPr lang="en-SG" smtClean="0"/>
+              <a:t>2/6/2017</a:t>
             </a:fld>
-            <a:endParaRPr lang="en-US"/>
+            <a:endParaRPr lang="en-SG"/>
           </a:p>
         </p:txBody>
       </p:sp>
@@ -2414,7 +1998,7 @@
           <a:bodyPr/>
           <a:lstStyle/>
           <a:p>
-            <a:endParaRPr lang="en-US"/>
+            <a:endParaRPr lang="en-SG"/>
           </a:p>
         </p:txBody>
       </p:sp>
@@ -2433,16 +2017,20 @@
           <a:bodyPr/>
           <a:lstStyle/>
           <a:p>
-            <a:fld id="{3350C099-A688-48CE-99CF-6D780C81E6EA}" type="slidenum">
-              <a:rPr lang="en-US" smtClean="0"/>
-              <a:pPr/>
+            <a:fld id="{EBF7C7F7-E270-4260-A412-76A75D6182AD}" type="slidenum">
+              <a:rPr lang="en-SG" smtClean="0"/>
               <a:t>‹#›</a:t>
             </a:fld>
-            <a:endParaRPr lang="en-US"/>
+            <a:endParaRPr lang="en-SG"/>
           </a:p>
         </p:txBody>
       </p:sp>
     </p:spTree>
+    <p:extLst>
+      <p:ext uri="{BB962C8B-B14F-4D97-AF65-F5344CB8AC3E}">
+        <p14:creationId xmlns:p14="http://schemas.microsoft.com/office/powerpoint/2010/main" val="3259271892"/>
+      </p:ext>
+    </p:extLst>
   </p:cSld>
   <p:clrMapOvr>
     <a:masterClrMapping/>
@@ -2495,7 +2083,7 @@
               <a:rPr lang="en-US" smtClean="0"/>
               <a:t>Click to edit Master title style</a:t>
             </a:r>
-            <a:endParaRPr lang="en-US"/>
+            <a:endParaRPr lang="en-SG"/>
           </a:p>
         </p:txBody>
       </p:sp>
@@ -2580,7 +2168,7 @@
               <a:rPr lang="en-US" smtClean="0"/>
               <a:t>Fifth level</a:t>
             </a:r>
-            <a:endParaRPr lang="en-US"/>
+            <a:endParaRPr lang="en-SG"/>
           </a:p>
         </p:txBody>
       </p:sp>
@@ -2664,12 +2252,11 @@
           <a:bodyPr/>
           <a:lstStyle/>
           <a:p>
-            <a:fld id="{11EAC7CB-ADF2-4553-B517-CFEB12672B50}" type="datetimeFigureOut">
-              <a:rPr lang="en-US" smtClean="0"/>
-              <a:pPr/>
-              <a:t>5/16/2017</a:t>
+            <a:fld id="{A0F86979-30DA-49EE-A740-32EBA6D2B7DE}" type="datetimeFigureOut">
+              <a:rPr lang="en-SG" smtClean="0"/>
+              <a:t>2/6/2017</a:t>
             </a:fld>
-            <a:endParaRPr lang="en-US"/>
+            <a:endParaRPr lang="en-SG"/>
           </a:p>
         </p:txBody>
       </p:sp>
@@ -2688,7 +2275,7 @@
           <a:bodyPr/>
           <a:lstStyle/>
           <a:p>
-            <a:endParaRPr lang="en-US"/>
+            <a:endParaRPr lang="en-SG"/>
           </a:p>
         </p:txBody>
       </p:sp>
@@ -2707,16 +2294,20 @@
           <a:bodyPr/>
           <a:lstStyle/>
           <a:p>
-            <a:fld id="{3350C099-A688-48CE-99CF-6D780C81E6EA}" type="slidenum">
-              <a:rPr lang="en-US" smtClean="0"/>
-              <a:pPr/>
+            <a:fld id="{EBF7C7F7-E270-4260-A412-76A75D6182AD}" type="slidenum">
+              <a:rPr lang="en-SG" smtClean="0"/>
               <a:t>‹#›</a:t>
             </a:fld>
-            <a:endParaRPr lang="en-US"/>
+            <a:endParaRPr lang="en-SG"/>
           </a:p>
         </p:txBody>
       </p:sp>
     </p:spTree>
+    <p:extLst>
+      <p:ext uri="{BB962C8B-B14F-4D97-AF65-F5344CB8AC3E}">
+        <p14:creationId xmlns:p14="http://schemas.microsoft.com/office/powerpoint/2010/main" val="2859859922"/>
+      </p:ext>
+    </p:extLst>
   </p:cSld>
   <p:clrMapOvr>
     <a:masterClrMapping/>
@@ -2769,7 +2360,7 @@
               <a:rPr lang="en-US" smtClean="0"/>
               <a:t>Click to edit Master title style</a:t>
             </a:r>
-            <a:endParaRPr lang="en-US"/>
+            <a:endParaRPr lang="en-SG"/>
           </a:p>
         </p:txBody>
       </p:sp>
@@ -2830,7 +2421,7 @@
             </a:lvl9pPr>
           </a:lstStyle>
           <a:p>
-            <a:endParaRPr lang="en-US"/>
+            <a:endParaRPr lang="en-SG"/>
           </a:p>
         </p:txBody>
       </p:sp>
@@ -2914,12 +2505,11 @@
           <a:bodyPr/>
           <a:lstStyle/>
           <a:p>
-            <a:fld id="{11EAC7CB-ADF2-4553-B517-CFEB12672B50}" type="datetimeFigureOut">
-              <a:rPr lang="en-US" smtClean="0"/>
-              <a:pPr/>
-              <a:t>5/16/2017</a:t>
+            <a:fld id="{A0F86979-30DA-49EE-A740-32EBA6D2B7DE}" type="datetimeFigureOut">
+              <a:rPr lang="en-SG" smtClean="0"/>
+              <a:t>2/6/2017</a:t>
             </a:fld>
-            <a:endParaRPr lang="en-US"/>
+            <a:endParaRPr lang="en-SG"/>
           </a:p>
         </p:txBody>
       </p:sp>
@@ -2938,7 +2528,7 @@
           <a:bodyPr/>
           <a:lstStyle/>
           <a:p>
-            <a:endParaRPr lang="en-US"/>
+            <a:endParaRPr lang="en-SG"/>
           </a:p>
         </p:txBody>
       </p:sp>
@@ -2957,16 +2547,20 @@
           <a:bodyPr/>
           <a:lstStyle/>
           <a:p>
-            <a:fld id="{3350C099-A688-48CE-99CF-6D780C81E6EA}" type="slidenum">
-              <a:rPr lang="en-US" smtClean="0"/>
-              <a:pPr/>
+            <a:fld id="{EBF7C7F7-E270-4260-A412-76A75D6182AD}" type="slidenum">
+              <a:rPr lang="en-SG" smtClean="0"/>
               <a:t>‹#›</a:t>
             </a:fld>
-            <a:endParaRPr lang="en-US"/>
+            <a:endParaRPr lang="en-SG"/>
           </a:p>
         </p:txBody>
       </p:sp>
     </p:spTree>
+    <p:extLst>
+      <p:ext uri="{BB962C8B-B14F-4D97-AF65-F5344CB8AC3E}">
+        <p14:creationId xmlns:p14="http://schemas.microsoft.com/office/powerpoint/2010/main" val="1672414452"/>
+      </p:ext>
+    </p:extLst>
   </p:cSld>
   <p:clrMapOvr>
     <a:masterClrMapping/>
@@ -3025,7 +2619,7 @@
               <a:rPr lang="en-US" smtClean="0"/>
               <a:t>Click to edit Master title style</a:t>
             </a:r>
-            <a:endParaRPr lang="en-US"/>
+            <a:endParaRPr lang="en-SG"/>
           </a:p>
         </p:txBody>
       </p:sp>
@@ -3087,7 +2681,7 @@
               <a:rPr lang="en-US" smtClean="0"/>
               <a:t>Fifth level</a:t>
             </a:r>
-            <a:endParaRPr lang="en-US"/>
+            <a:endParaRPr lang="en-SG"/>
           </a:p>
         </p:txBody>
       </p:sp>
@@ -3124,12 +2718,11 @@
             </a:lvl1pPr>
           </a:lstStyle>
           <a:p>
-            <a:fld id="{11EAC7CB-ADF2-4553-B517-CFEB12672B50}" type="datetimeFigureOut">
-              <a:rPr lang="en-US" smtClean="0"/>
-              <a:pPr/>
-              <a:t>5/16/2017</a:t>
+            <a:fld id="{A0F86979-30DA-49EE-A740-32EBA6D2B7DE}" type="datetimeFigureOut">
+              <a:rPr lang="en-SG" smtClean="0"/>
+              <a:t>2/6/2017</a:t>
             </a:fld>
-            <a:endParaRPr lang="en-US"/>
+            <a:endParaRPr lang="en-SG"/>
           </a:p>
         </p:txBody>
       </p:sp>
@@ -3166,7 +2759,7 @@
             </a:lvl1pPr>
           </a:lstStyle>
           <a:p>
-            <a:endParaRPr lang="en-US"/>
+            <a:endParaRPr lang="en-SG"/>
           </a:p>
         </p:txBody>
       </p:sp>
@@ -3203,16 +2796,20 @@
             </a:lvl1pPr>
           </a:lstStyle>
           <a:p>
-            <a:fld id="{3350C099-A688-48CE-99CF-6D780C81E6EA}" type="slidenum">
-              <a:rPr lang="en-US" smtClean="0"/>
-              <a:pPr/>
+            <a:fld id="{EBF7C7F7-E270-4260-A412-76A75D6182AD}" type="slidenum">
+              <a:rPr lang="en-SG" smtClean="0"/>
               <a:t>‹#›</a:t>
             </a:fld>
-            <a:endParaRPr lang="en-US"/>
+            <a:endParaRPr lang="en-SG"/>
           </a:p>
         </p:txBody>
       </p:sp>
     </p:spTree>
+    <p:extLst>
+      <p:ext uri="{BB962C8B-B14F-4D97-AF65-F5344CB8AC3E}">
+        <p14:creationId xmlns:p14="http://schemas.microsoft.com/office/powerpoint/2010/main" val="1974023683"/>
+      </p:ext>
+    </p:extLst>
   </p:cSld>
   <p:clrMap bg1="lt1" tx1="dk1" bg2="lt2" tx2="dk2" accent1="accent1" accent2="accent2" accent3="accent3" accent4="accent4" accent5="accent5" accent6="accent6" hlink="hlink" folHlink="folHlink"/>
   <p:sldLayoutIdLst>
@@ -3250,7 +2847,7 @@
         <a:spcBef>
           <a:spcPct val="20000"/>
         </a:spcBef>
-        <a:buFont typeface="Arial" pitchFamily="34" charset="0"/>
+        <a:buFont typeface="Arial" panose="020B0604020202020204" pitchFamily="34" charset="0"/>
         <a:buChar char="•"/>
         <a:defRPr sz="3200" kern="1200">
           <a:solidFill>
@@ -3265,7 +2862,7 @@
         <a:spcBef>
           <a:spcPct val="20000"/>
         </a:spcBef>
-        <a:buFont typeface="Arial" pitchFamily="34" charset="0"/>
+        <a:buFont typeface="Arial" panose="020B0604020202020204" pitchFamily="34" charset="0"/>
         <a:buChar char="–"/>
         <a:defRPr sz="2800" kern="1200">
           <a:solidFill>
@@ -3280,7 +2877,7 @@
         <a:spcBef>
           <a:spcPct val="20000"/>
         </a:spcBef>
-        <a:buFont typeface="Arial" pitchFamily="34" charset="0"/>
+        <a:buFont typeface="Arial" panose="020B0604020202020204" pitchFamily="34" charset="0"/>
         <a:buChar char="•"/>
         <a:defRPr sz="2400" kern="1200">
           <a:solidFill>
@@ -3295,7 +2892,7 @@
         <a:spcBef>
           <a:spcPct val="20000"/>
         </a:spcBef>
-        <a:buFont typeface="Arial" pitchFamily="34" charset="0"/>
+        <a:buFont typeface="Arial" panose="020B0604020202020204" pitchFamily="34" charset="0"/>
         <a:buChar char="–"/>
         <a:defRPr sz="2000" kern="1200">
           <a:solidFill>
@@ -3310,7 +2907,7 @@
         <a:spcBef>
           <a:spcPct val="20000"/>
         </a:spcBef>
-        <a:buFont typeface="Arial" pitchFamily="34" charset="0"/>
+        <a:buFont typeface="Arial" panose="020B0604020202020204" pitchFamily="34" charset="0"/>
         <a:buChar char="»"/>
         <a:defRPr sz="2000" kern="1200">
           <a:solidFill>
@@ -3325,7 +2922,7 @@
         <a:spcBef>
           <a:spcPct val="20000"/>
         </a:spcBef>
-        <a:buFont typeface="Arial" pitchFamily="34" charset="0"/>
+        <a:buFont typeface="Arial" panose="020B0604020202020204" pitchFamily="34" charset="0"/>
         <a:buChar char="•"/>
         <a:defRPr sz="2000" kern="1200">
           <a:solidFill>
@@ -3340,7 +2937,7 @@
         <a:spcBef>
           <a:spcPct val="20000"/>
         </a:spcBef>
-        <a:buFont typeface="Arial" pitchFamily="34" charset="0"/>
+        <a:buFont typeface="Arial" panose="020B0604020202020204" pitchFamily="34" charset="0"/>
         <a:buChar char="•"/>
         <a:defRPr sz="2000" kern="1200">
           <a:solidFill>
@@ -3355,7 +2952,7 @@
         <a:spcBef>
           <a:spcPct val="20000"/>
         </a:spcBef>
-        <a:buFont typeface="Arial" pitchFamily="34" charset="0"/>
+        <a:buFont typeface="Arial" panose="020B0604020202020204" pitchFamily="34" charset="0"/>
         <a:buChar char="•"/>
         <a:defRPr sz="2000" kern="1200">
           <a:solidFill>
@@ -3370,7 +2967,7 @@
         <a:spcBef>
           <a:spcPct val="20000"/>
         </a:spcBef>
-        <a:buFont typeface="Arial" pitchFamily="34" charset="0"/>
+        <a:buFont typeface="Arial" panose="020B0604020202020204" pitchFamily="34" charset="0"/>
         <a:buChar char="•"/>
         <a:defRPr sz="2000" kern="1200">
           <a:solidFill>
@@ -3500,14 +3097,14 @@
       </p:grpSpPr>
       <p:pic>
         <p:nvPicPr>
-          <p:cNvPr id="1026" name="Picture 2"/>
+          <p:cNvPr id="369" name="Picture 2"/>
           <p:cNvPicPr>
             <a:picLocks noChangeAspect="1" noChangeArrowheads="1"/>
           </p:cNvPicPr>
           <p:nvPr/>
         </p:nvPicPr>
         <p:blipFill>
-          <a:blip r:embed="rId3"/>
+          <a:blip r:embed="rId2"/>
           <a:srcRect/>
           <a:stretch>
             <a:fillRect/>
@@ -3532,7 +3129,7 @@
       </p:pic>
       <p:sp>
         <p:nvSpPr>
-          <p:cNvPr id="17" name="Rectangle 16"/>
+          <p:cNvPr id="370" name="Rectangle 369"/>
           <p:cNvSpPr/>
           <p:nvPr/>
         </p:nvSpPr>
@@ -3574,7 +3171,7 @@
       </p:sp>
       <p:sp>
         <p:nvSpPr>
-          <p:cNvPr id="18" name="TextBox 17"/>
+          <p:cNvPr id="371" name="TextBox 370"/>
           <p:cNvSpPr txBox="1"/>
           <p:nvPr/>
         </p:nvSpPr>
@@ -3604,10 +3201,22 @@
         </p:txBody>
       </p:sp>
     </p:spTree>
+    <p:extLst>
+      <p:ext uri="{BB962C8B-B14F-4D97-AF65-F5344CB8AC3E}">
+        <p14:creationId xmlns:p14="http://schemas.microsoft.com/office/powerpoint/2010/main" val="26466125"/>
+      </p:ext>
+    </p:extLst>
   </p:cSld>
   <p:clrMapOvr>
     <a:masterClrMapping/>
   </p:clrMapOvr>
+  <p:timing>
+    <p:tnLst>
+      <p:par>
+        <p:cTn id="1" dur="indefinite" restart="never" nodeType="tmRoot"/>
+      </p:par>
+    </p:tnLst>
+  </p:timing>
 </p:sld>
 </file>
 
@@ -3686,6 +3295,7 @@
         <a:font script="Mong" typeface="Mongolian Baiti"/>
         <a:font script="Viet" typeface="Times New Roman"/>
         <a:font script="Uigh" typeface="Microsoft Uighur"/>
+        <a:font script="Geor" typeface="Sylfaen"/>
       </a:majorFont>
       <a:minorFont>
         <a:latin typeface="Calibri"/>
@@ -3720,289 +3330,7 @@
         <a:font script="Mong" typeface="Mongolian Baiti"/>
         <a:font script="Viet" typeface="Arial"/>
         <a:font script="Uigh" typeface="Microsoft Uighur"/>
-      </a:minorFont>
-    </a:fontScheme>
-    <a:fmtScheme name="Office">
-      <a:fillStyleLst>
-        <a:solidFill>
-          <a:schemeClr val="phClr"/>
-        </a:solidFill>
-        <a:gradFill rotWithShape="1">
-          <a:gsLst>
-            <a:gs pos="0">
-              <a:schemeClr val="phClr">
-                <a:tint val="50000"/>
-                <a:satMod val="300000"/>
-              </a:schemeClr>
-            </a:gs>
-            <a:gs pos="35000">
-              <a:schemeClr val="phClr">
-                <a:tint val="37000"/>
-                <a:satMod val="300000"/>
-              </a:schemeClr>
-            </a:gs>
-            <a:gs pos="100000">
-              <a:schemeClr val="phClr">
-                <a:tint val="15000"/>
-                <a:satMod val="350000"/>
-              </a:schemeClr>
-            </a:gs>
-          </a:gsLst>
-          <a:lin ang="16200000" scaled="1"/>
-        </a:gradFill>
-        <a:gradFill rotWithShape="1">
-          <a:gsLst>
-            <a:gs pos="0">
-              <a:schemeClr val="phClr">
-                <a:shade val="51000"/>
-                <a:satMod val="130000"/>
-              </a:schemeClr>
-            </a:gs>
-            <a:gs pos="80000">
-              <a:schemeClr val="phClr">
-                <a:shade val="93000"/>
-                <a:satMod val="130000"/>
-              </a:schemeClr>
-            </a:gs>
-            <a:gs pos="100000">
-              <a:schemeClr val="phClr">
-                <a:shade val="94000"/>
-                <a:satMod val="135000"/>
-              </a:schemeClr>
-            </a:gs>
-          </a:gsLst>
-          <a:lin ang="16200000" scaled="0"/>
-        </a:gradFill>
-      </a:fillStyleLst>
-      <a:lnStyleLst>
-        <a:ln w="9525" cap="flat" cmpd="sng" algn="ctr">
-          <a:solidFill>
-            <a:schemeClr val="phClr">
-              <a:shade val="95000"/>
-              <a:satMod val="105000"/>
-            </a:schemeClr>
-          </a:solidFill>
-          <a:prstDash val="solid"/>
-        </a:ln>
-        <a:ln w="25400" cap="flat" cmpd="sng" algn="ctr">
-          <a:solidFill>
-            <a:schemeClr val="phClr"/>
-          </a:solidFill>
-          <a:prstDash val="solid"/>
-        </a:ln>
-        <a:ln w="38100" cap="flat" cmpd="sng" algn="ctr">
-          <a:solidFill>
-            <a:schemeClr val="phClr"/>
-          </a:solidFill>
-          <a:prstDash val="solid"/>
-        </a:ln>
-      </a:lnStyleLst>
-      <a:effectStyleLst>
-        <a:effectStyle>
-          <a:effectLst>
-            <a:outerShdw blurRad="40000" dist="20000" dir="5400000" rotWithShape="0">
-              <a:srgbClr val="000000">
-                <a:alpha val="38000"/>
-              </a:srgbClr>
-            </a:outerShdw>
-          </a:effectLst>
-        </a:effectStyle>
-        <a:effectStyle>
-          <a:effectLst>
-            <a:outerShdw blurRad="40000" dist="23000" dir="5400000" rotWithShape="0">
-              <a:srgbClr val="000000">
-                <a:alpha val="35000"/>
-              </a:srgbClr>
-            </a:outerShdw>
-          </a:effectLst>
-        </a:effectStyle>
-        <a:effectStyle>
-          <a:effectLst>
-            <a:outerShdw blurRad="40000" dist="23000" dir="5400000" rotWithShape="0">
-              <a:srgbClr val="000000">
-                <a:alpha val="35000"/>
-              </a:srgbClr>
-            </a:outerShdw>
-          </a:effectLst>
-          <a:scene3d>
-            <a:camera prst="orthographicFront">
-              <a:rot lat="0" lon="0" rev="0"/>
-            </a:camera>
-            <a:lightRig rig="threePt" dir="t">
-              <a:rot lat="0" lon="0" rev="1200000"/>
-            </a:lightRig>
-          </a:scene3d>
-          <a:sp3d>
-            <a:bevelT w="63500" h="25400"/>
-          </a:sp3d>
-        </a:effectStyle>
-      </a:effectStyleLst>
-      <a:bgFillStyleLst>
-        <a:solidFill>
-          <a:schemeClr val="phClr"/>
-        </a:solidFill>
-        <a:gradFill rotWithShape="1">
-          <a:gsLst>
-            <a:gs pos="0">
-              <a:schemeClr val="phClr">
-                <a:tint val="40000"/>
-                <a:satMod val="350000"/>
-              </a:schemeClr>
-            </a:gs>
-            <a:gs pos="40000">
-              <a:schemeClr val="phClr">
-                <a:tint val="45000"/>
-                <a:shade val="99000"/>
-                <a:satMod val="350000"/>
-              </a:schemeClr>
-            </a:gs>
-            <a:gs pos="100000">
-              <a:schemeClr val="phClr">
-                <a:shade val="20000"/>
-                <a:satMod val="255000"/>
-              </a:schemeClr>
-            </a:gs>
-          </a:gsLst>
-          <a:path path="circle">
-            <a:fillToRect l="50000" t="-80000" r="50000" b="180000"/>
-          </a:path>
-        </a:gradFill>
-        <a:gradFill rotWithShape="1">
-          <a:gsLst>
-            <a:gs pos="0">
-              <a:schemeClr val="phClr">
-                <a:tint val="80000"/>
-                <a:satMod val="300000"/>
-              </a:schemeClr>
-            </a:gs>
-            <a:gs pos="100000">
-              <a:schemeClr val="phClr">
-                <a:shade val="30000"/>
-                <a:satMod val="200000"/>
-              </a:schemeClr>
-            </a:gs>
-          </a:gsLst>
-          <a:path path="circle">
-            <a:fillToRect l="50000" t="50000" r="50000" b="50000"/>
-          </a:path>
-        </a:gradFill>
-      </a:bgFillStyleLst>
-    </a:fmtScheme>
-  </a:themeElements>
-  <a:objectDefaults/>
-  <a:extraClrSchemeLst/>
-</a:theme>
-</file>
-
-<file path=ppt/theme/theme2.xml><?xml version="1.0" encoding="utf-8"?>
-<a:theme xmlns:a="http://schemas.openxmlformats.org/drawingml/2006/main" name="Office Theme">
-  <a:themeElements>
-    <a:clrScheme name="Office">
-      <a:dk1>
-        <a:sysClr val="windowText" lastClr="000000"/>
-      </a:dk1>
-      <a:lt1>
-        <a:sysClr val="window" lastClr="FFFFFF"/>
-      </a:lt1>
-      <a:dk2>
-        <a:srgbClr val="1F497D"/>
-      </a:dk2>
-      <a:lt2>
-        <a:srgbClr val="EEECE1"/>
-      </a:lt2>
-      <a:accent1>
-        <a:srgbClr val="4F81BD"/>
-      </a:accent1>
-      <a:accent2>
-        <a:srgbClr val="C0504D"/>
-      </a:accent2>
-      <a:accent3>
-        <a:srgbClr val="9BBB59"/>
-      </a:accent3>
-      <a:accent4>
-        <a:srgbClr val="8064A2"/>
-      </a:accent4>
-      <a:accent5>
-        <a:srgbClr val="4BACC6"/>
-      </a:accent5>
-      <a:accent6>
-        <a:srgbClr val="F79646"/>
-      </a:accent6>
-      <a:hlink>
-        <a:srgbClr val="0000FF"/>
-      </a:hlink>
-      <a:folHlink>
-        <a:srgbClr val="800080"/>
-      </a:folHlink>
-    </a:clrScheme>
-    <a:fontScheme name="Office">
-      <a:majorFont>
-        <a:latin typeface="Calibri"/>
-        <a:ea typeface=""/>
-        <a:cs typeface=""/>
-        <a:font script="Jpan" typeface="ＭＳ Ｐゴシック"/>
-        <a:font script="Hang" typeface="맑은 고딕"/>
-        <a:font script="Hans" typeface="宋体"/>
-        <a:font script="Hant" typeface="新細明體"/>
-        <a:font script="Arab" typeface="Times New Roman"/>
-        <a:font script="Hebr" typeface="Times New Roman"/>
-        <a:font script="Thai" typeface="Angsana New"/>
-        <a:font script="Ethi" typeface="Nyala"/>
-        <a:font script="Beng" typeface="Vrinda"/>
-        <a:font script="Gujr" typeface="Shruti"/>
-        <a:font script="Khmr" typeface="MoolBoran"/>
-        <a:font script="Knda" typeface="Tunga"/>
-        <a:font script="Guru" typeface="Raavi"/>
-        <a:font script="Cans" typeface="Euphemia"/>
-        <a:font script="Cher" typeface="Plantagenet Cherokee"/>
-        <a:font script="Yiii" typeface="Microsoft Yi Baiti"/>
-        <a:font script="Tibt" typeface="Microsoft Himalaya"/>
-        <a:font script="Thaa" typeface="MV Boli"/>
-        <a:font script="Deva" typeface="Mangal"/>
-        <a:font script="Telu" typeface="Gautami"/>
-        <a:font script="Taml" typeface="Latha"/>
-        <a:font script="Syrc" typeface="Estrangelo Edessa"/>
-        <a:font script="Orya" typeface="Kalinga"/>
-        <a:font script="Mlym" typeface="Kartika"/>
-        <a:font script="Laoo" typeface="DokChampa"/>
-        <a:font script="Sinh" typeface="Iskoola Pota"/>
-        <a:font script="Mong" typeface="Mongolian Baiti"/>
-        <a:font script="Viet" typeface="Times New Roman"/>
-        <a:font script="Uigh" typeface="Microsoft Uighur"/>
-      </a:majorFont>
-      <a:minorFont>
-        <a:latin typeface="Calibri"/>
-        <a:ea typeface=""/>
-        <a:cs typeface=""/>
-        <a:font script="Jpan" typeface="ＭＳ Ｐゴシック"/>
-        <a:font script="Hang" typeface="맑은 고딕"/>
-        <a:font script="Hans" typeface="宋体"/>
-        <a:font script="Hant" typeface="新細明體"/>
-        <a:font script="Arab" typeface="Arial"/>
-        <a:font script="Hebr" typeface="Arial"/>
-        <a:font script="Thai" typeface="Cordia New"/>
-        <a:font script="Ethi" typeface="Nyala"/>
-        <a:font script="Beng" typeface="Vrinda"/>
-        <a:font script="Gujr" typeface="Shruti"/>
-        <a:font script="Khmr" typeface="DaunPenh"/>
-        <a:font script="Knda" typeface="Tunga"/>
-        <a:font script="Guru" typeface="Raavi"/>
-        <a:font script="Cans" typeface="Euphemia"/>
-        <a:font script="Cher" typeface="Plantagenet Cherokee"/>
-        <a:font script="Yiii" typeface="Microsoft Yi Baiti"/>
-        <a:font script="Tibt" typeface="Microsoft Himalaya"/>
-        <a:font script="Thaa" typeface="MV Boli"/>
-        <a:font script="Deva" typeface="Mangal"/>
-        <a:font script="Telu" typeface="Gautami"/>
-        <a:font script="Taml" typeface="Latha"/>
-        <a:font script="Syrc" typeface="Estrangelo Edessa"/>
-        <a:font script="Orya" typeface="Kalinga"/>
-        <a:font script="Mlym" typeface="Kartika"/>
-        <a:font script="Laoo" typeface="DokChampa"/>
-        <a:font script="Sinh" typeface="Iskoola Pota"/>
-        <a:font script="Mong" typeface="Mongolian Baiti"/>
-        <a:font script="Viet" typeface="Arial"/>
-        <a:font script="Uigh" typeface="Microsoft Uighur"/>
+        <a:font script="Geor" typeface="Sylfaen"/>
       </a:minorFont>
     </a:fontScheme>
     <a:fmtScheme name="Office">
